--- a/透過Js控制不同裝置顯示不同畫面.pptx
+++ b/透過Js控制不同裝置顯示不同畫面.pptx
@@ -208,7 +208,7 @@
           <a:p>
             <a:fld id="{95B82623-5E75-4B19-A9E3-2F73B9B04F35}" type="datetimeFigureOut">
               <a:rPr lang="zh-TW" altLang="en-US" smtClean="0"/>
-              <a:t>2023/4/18</a:t>
+              <a:t>2023/4/20</a:t>
             </a:fld>
             <a:endParaRPr lang="zh-TW" altLang="en-US"/>
           </a:p>
@@ -825,7 +825,7 @@
           <a:p>
             <a:fld id="{85A0E4CF-970A-4DE5-90A4-040FAB15A0D3}" type="datetime1">
               <a:rPr lang="zh-TW" altLang="en-US" smtClean="0"/>
-              <a:t>2023/4/18</a:t>
+              <a:t>2023/4/20</a:t>
             </a:fld>
             <a:endParaRPr lang="zh-TW" altLang="en-US"/>
           </a:p>
@@ -995,7 +995,7 @@
           <a:p>
             <a:fld id="{5C018045-28AC-4654-B95B-9D41C346EBBA}" type="datetime1">
               <a:rPr lang="zh-TW" altLang="en-US" smtClean="0"/>
-              <a:t>2023/4/18</a:t>
+              <a:t>2023/4/20</a:t>
             </a:fld>
             <a:endParaRPr lang="zh-TW" altLang="en-US"/>
           </a:p>
@@ -1175,7 +1175,7 @@
           <a:p>
             <a:fld id="{257CBD0D-F1AA-4ECC-BC16-8B0DD3B40691}" type="datetime1">
               <a:rPr lang="zh-TW" altLang="en-US" smtClean="0"/>
-              <a:t>2023/4/18</a:t>
+              <a:t>2023/4/20</a:t>
             </a:fld>
             <a:endParaRPr lang="zh-TW" altLang="en-US"/>
           </a:p>
@@ -1345,7 +1345,7 @@
           <a:p>
             <a:fld id="{BDEA5D4C-F534-4D53-909D-2642511C8023}" type="datetime1">
               <a:rPr lang="zh-TW" altLang="en-US" smtClean="0"/>
-              <a:t>2023/4/18</a:t>
+              <a:t>2023/4/20</a:t>
             </a:fld>
             <a:endParaRPr lang="zh-TW" altLang="en-US"/>
           </a:p>
@@ -1591,7 +1591,7 @@
           <a:p>
             <a:fld id="{B9D5C3F4-78E9-464A-BAD3-34AB4AC2458A}" type="datetime1">
               <a:rPr lang="zh-TW" altLang="en-US" smtClean="0"/>
-              <a:t>2023/4/18</a:t>
+              <a:t>2023/4/20</a:t>
             </a:fld>
             <a:endParaRPr lang="zh-TW" altLang="en-US"/>
           </a:p>
@@ -1879,7 +1879,7 @@
           <a:p>
             <a:fld id="{408D90C4-EFDA-415C-A9F2-AE42E8E2B1AB}" type="datetime1">
               <a:rPr lang="zh-TW" altLang="en-US" smtClean="0"/>
-              <a:t>2023/4/18</a:t>
+              <a:t>2023/4/20</a:t>
             </a:fld>
             <a:endParaRPr lang="zh-TW" altLang="en-US"/>
           </a:p>
@@ -2301,7 +2301,7 @@
           <a:p>
             <a:fld id="{06B768D2-DAE8-453C-B75A-6C05F6F6A3B1}" type="datetime1">
               <a:rPr lang="zh-TW" altLang="en-US" smtClean="0"/>
-              <a:t>2023/4/18</a:t>
+              <a:t>2023/4/20</a:t>
             </a:fld>
             <a:endParaRPr lang="zh-TW" altLang="en-US"/>
           </a:p>
@@ -2419,7 +2419,7 @@
           <a:p>
             <a:fld id="{BC824951-54AB-42BB-A339-E8F0B1A1178D}" type="datetime1">
               <a:rPr lang="zh-TW" altLang="en-US" smtClean="0"/>
-              <a:t>2023/4/18</a:t>
+              <a:t>2023/4/20</a:t>
             </a:fld>
             <a:endParaRPr lang="zh-TW" altLang="en-US"/>
           </a:p>
@@ -2514,7 +2514,7 @@
           <a:p>
             <a:fld id="{B60AEAF9-DDA9-4E09-B422-AFC2E4BD9307}" type="datetime1">
               <a:rPr lang="zh-TW" altLang="en-US" smtClean="0"/>
-              <a:t>2023/4/18</a:t>
+              <a:t>2023/4/20</a:t>
             </a:fld>
             <a:endParaRPr lang="zh-TW" altLang="en-US"/>
           </a:p>
@@ -2791,7 +2791,7 @@
           <a:p>
             <a:fld id="{3770FCFB-736F-424D-850C-19FC54E23B37}" type="datetime1">
               <a:rPr lang="zh-TW" altLang="en-US" smtClean="0"/>
-              <a:t>2023/4/18</a:t>
+              <a:t>2023/4/20</a:t>
             </a:fld>
             <a:endParaRPr lang="zh-TW" altLang="en-US"/>
           </a:p>
@@ -3044,7 +3044,7 @@
           <a:p>
             <a:fld id="{2EB2C09E-B59A-41B7-A1D8-E2D4189921BD}" type="datetime1">
               <a:rPr lang="zh-TW" altLang="en-US" smtClean="0"/>
-              <a:t>2023/4/18</a:t>
+              <a:t>2023/4/20</a:t>
             </a:fld>
             <a:endParaRPr lang="zh-TW" altLang="en-US"/>
           </a:p>
@@ -3257,7 +3257,7 @@
           <a:p>
             <a:fld id="{15588050-EC24-489C-AB3A-0922C1BE3BE7}" type="datetime1">
               <a:rPr lang="zh-TW" altLang="en-US" smtClean="0"/>
-              <a:t>2023/4/18</a:t>
+              <a:t>2023/4/20</a:t>
             </a:fld>
             <a:endParaRPr lang="zh-TW" altLang="en-US"/>
           </a:p>
@@ -4165,7 +4165,7 @@
         </p:nvSpPr>
         <p:spPr>
           <a:xfrm>
-            <a:off x="173723" y="1556792"/>
+            <a:off x="173724" y="1498694"/>
             <a:ext cx="4719255" cy="369332"/>
           </a:xfrm>
           <a:prstGeom prst="rect">
@@ -4510,6 +4510,44 @@
               </a:rPr>
               <a:t>會使之後較好使用</a:t>
             </a:r>
+          </a:p>
+        </p:txBody>
+      </p:sp>
+      <p:sp>
+        <p:nvSpPr>
+          <p:cNvPr id="3" name="文字方塊 2"/>
+          <p:cNvSpPr txBox="1"/>
+          <p:nvPr/>
+        </p:nvSpPr>
+        <p:spPr>
+          <a:xfrm>
+            <a:off x="35496" y="5241812"/>
+            <a:ext cx="5477653" cy="276999"/>
+          </a:xfrm>
+          <a:prstGeom prst="rect">
+            <a:avLst/>
+          </a:prstGeom>
+          <a:noFill/>
+        </p:spPr>
+        <p:txBody>
+          <a:bodyPr wrap="none" rtlCol="0">
+            <a:spAutoFit/>
+          </a:bodyPr>
+          <a:lstStyle/>
+          <a:p>
+            <a:r>
+              <a:rPr lang="en-US" altLang="zh-TW" sz="1200" dirty="0">
+                <a:hlinkClick r:id="rId6"/>
+              </a:rPr>
+              <a:t>https://</a:t>
+            </a:r>
+            <a:r>
+              <a:rPr lang="en-US" altLang="zh-TW" sz="1200" dirty="0" smtClean="0">
+                <a:hlinkClick r:id="rId6"/>
+              </a:rPr>
+              <a:t>raw.githubusercontent.com/94ek786/RWDteachingMaterial/main/temp.json</a:t>
+            </a:r>
+            <a:endParaRPr lang="en-US" altLang="zh-TW" sz="1200" dirty="0" smtClean="0"/>
           </a:p>
         </p:txBody>
       </p:sp>
@@ -5727,7 +5765,7 @@
           <a:bodyPr/>
           <a:lstStyle/>
           <a:p>
-            <a:pPr marL="0" indent="0">
+            <a:pPr marL="0" indent="0" algn="ctr">
               <a:buNone/>
             </a:pPr>
             <a:r>
@@ -6068,74 +6106,28 @@
               <a:t>檔案</a:t>
             </a:r>
             <a:r>
-              <a:rPr lang="zh-TW" altLang="en-US" sz="2000" dirty="0">
+              <a:rPr lang="en-US" altLang="zh-TW" sz="2000" dirty="0">
                 <a:solidFill>
                   <a:schemeClr val="tx1">
                     <a:lumMod val="50000"/>
                     <a:lumOff val="50000"/>
                   </a:schemeClr>
                 </a:solidFill>
+                <a:hlinkClick r:id="rId4"/>
               </a:rPr>
-              <a:t>，</a:t>
-            </a:r>
-            <a:r>
-              <a:rPr lang="zh-TW" altLang="en-US" sz="2000" dirty="0" smtClean="0">
+              <a:t>https://</a:t>
+            </a:r>
+            <a:r>
+              <a:rPr lang="en-US" altLang="zh-TW" sz="2000" dirty="0" smtClean="0">
                 <a:solidFill>
                   <a:schemeClr val="tx1">
                     <a:lumMod val="50000"/>
                     <a:lumOff val="50000"/>
                   </a:schemeClr>
                 </a:solidFill>
-              </a:rPr>
-              <a:t>圖片自己去網路上</a:t>
-            </a:r>
-            <a:r>
-              <a:rPr lang="zh-TW" altLang="en-US" sz="2000" dirty="0" smtClean="0">
-                <a:solidFill>
-                  <a:schemeClr val="tx1">
-                    <a:lumMod val="50000"/>
-                    <a:lumOff val="50000"/>
-                  </a:schemeClr>
-                </a:solidFill>
-              </a:rPr>
-              <a:t>抓</a:t>
-            </a:r>
-            <a:endParaRPr lang="en-US" altLang="zh-TW" sz="2000" dirty="0" smtClean="0">
-              <a:solidFill>
-                <a:schemeClr val="tx1">
-                  <a:lumMod val="50000"/>
-                  <a:lumOff val="50000"/>
-                </a:schemeClr>
-              </a:solidFill>
-            </a:endParaRPr>
-          </a:p>
-          <a:p>
-            <a:pPr marL="0" indent="0">
-              <a:buNone/>
-            </a:pPr>
-            <a:r>
-              <a:rPr lang="en-US" altLang="zh-TW" sz="2000" dirty="0">
-                <a:solidFill>
-                  <a:schemeClr val="tx1">
-                    <a:lumMod val="50000"/>
-                    <a:lumOff val="50000"/>
-                  </a:schemeClr>
-                </a:solidFill>
                 <a:hlinkClick r:id="rId4"/>
               </a:rPr>
-              <a:t>https://</a:t>
-            </a:r>
-            <a:r>
-              <a:rPr lang="en-US" altLang="zh-TW" sz="2000" dirty="0" smtClean="0">
-                <a:solidFill>
-                  <a:schemeClr val="tx1">
-                    <a:lumMod val="50000"/>
-                    <a:lumOff val="50000"/>
-                  </a:schemeClr>
-                </a:solidFill>
-                <a:hlinkClick r:id="rId4"/>
-              </a:rPr>
-              <a:t>github.com/94ek786/RWDteachingMaterial/blob/main/temp.json</a:t>
+              <a:t>raw.githubusercontent.com/94ek786/RWDteachingMaterial/main/temp.json</a:t>
             </a:r>
             <a:endParaRPr lang="en-US" altLang="zh-TW" sz="2000" dirty="0" smtClean="0">
               <a:solidFill>
@@ -7631,7 +7623,7 @@
         <p:spPr>
           <a:xfrm>
             <a:off x="4355976" y="5733256"/>
-            <a:ext cx="3095719" cy="646331"/>
+            <a:ext cx="3095719" cy="923330"/>
           </a:xfrm>
           <a:prstGeom prst="rect">
             <a:avLst/>
@@ -7691,11 +7683,16 @@
               </a:rPr>
               <a:t>)</a:t>
             </a:r>
-            <a:endParaRPr lang="zh-TW" altLang="en-US" dirty="0">
-              <a:solidFill>
-                <a:srgbClr val="FF0000"/>
-              </a:solidFill>
-            </a:endParaRPr>
+          </a:p>
+          <a:p>
+            <a:r>
+              <a:rPr lang="zh-TW" altLang="en-US" dirty="0">
+                <a:solidFill>
+                  <a:srgbClr val="FF0000"/>
+                </a:solidFill>
+              </a:rPr>
+              <a:t>圖片自己去抓 </a:t>
+            </a:r>
           </a:p>
         </p:txBody>
       </p:sp>
